--- a/EDA_TeamC.pptx
+++ b/EDA_TeamC.pptx
@@ -1276,10 +1276,10 @@
     <dgm:cxn modelId="{1EC6CC24-E255-4F5C-81FB-7B0DF016AF51}" type="presOf" srcId="{D3B6445E-FC22-436F-831A-555D63581B53}" destId="{DDB6887B-B9D8-48E4-81D6-110479FFCD57}" srcOrd="0" destOrd="0" presId="urn:microsoft.com/office/officeart/2008/layout/LinedList"/>
     <dgm:cxn modelId="{A736FB2D-1043-4EAF-A2D5-78FD558920AD}" type="presOf" srcId="{E0C9E723-B208-49DF-B8FF-8074B300DA9A}" destId="{AB9FB0C9-3D73-49CB-8A07-8B0F19C32CD4}" srcOrd="0" destOrd="0" presId="urn:microsoft.com/office/officeart/2008/layout/LinedList"/>
     <dgm:cxn modelId="{18D54435-55EE-4BE6-B48B-B30220C8A83F}" srcId="{D3B6445E-FC22-436F-831A-555D63581B53}" destId="{79233BDA-FCEF-4930-A8A5-7415B0A5788F}" srcOrd="1" destOrd="0" parTransId="{C32F936E-D401-4FF8-BEA8-75DCBE88FEDD}" sibTransId="{13E6CDCE-7C53-43A0-BAC7-4257CCAC3FBB}"/>
-    <dgm:cxn modelId="{BC4C125C-7C25-4A0C-92B0-C61F1DD4D5C8}" srcId="{D3B6445E-FC22-436F-831A-555D63581B53}" destId="{227CBA17-4C87-4B58-B02F-E207F9B44A9A}" srcOrd="4" destOrd="0" parTransId="{634EBD02-B2BB-4B7C-9A16-1C5CACAEF891}" sibTransId="{669FC4F3-FA12-4710-BB38-0A150E53F1BB}"/>
     <dgm:cxn modelId="{57F8A541-F566-4B0E-80E7-2BCE0DDDC158}" type="presOf" srcId="{79233BDA-FCEF-4930-A8A5-7415B0A5788F}" destId="{D2B5D452-CFF4-4B08-BCA4-4BBEBACF8C4C}" srcOrd="0" destOrd="0" presId="urn:microsoft.com/office/officeart/2008/layout/LinedList"/>
     <dgm:cxn modelId="{756CBD41-31EB-43B2-B0B7-5C53FEBF86A2}" type="presOf" srcId="{06B4935B-B975-447D-B923-7C8DB08BD40A}" destId="{8582BE4C-766D-4CCA-931F-83FC63F72F84}" srcOrd="0" destOrd="0" presId="urn:microsoft.com/office/officeart/2008/layout/LinedList"/>
     <dgm:cxn modelId="{533BD245-DDD3-4625-9404-2E4C03EA50C4}" srcId="{D3B6445E-FC22-436F-831A-555D63581B53}" destId="{06D3CD9E-E266-4239-94EE-ECB624FD43ED}" srcOrd="0" destOrd="0" parTransId="{8CBC365F-B5EB-441D-A7AA-B6BEA72906A0}" sibTransId="{9EC1D451-F423-48AC-A2FA-0650082B5C9A}"/>
+    <dgm:cxn modelId="{BC4C125C-7C25-4A0C-92B0-C61F1DD4D5C8}" srcId="{D3B6445E-FC22-436F-831A-555D63581B53}" destId="{227CBA17-4C87-4B58-B02F-E207F9B44A9A}" srcOrd="4" destOrd="0" parTransId="{634EBD02-B2BB-4B7C-9A16-1C5CACAEF891}" sibTransId="{669FC4F3-FA12-4710-BB38-0A150E53F1BB}"/>
     <dgm:cxn modelId="{069B8778-C774-4D79-8A56-0F7CC451C5F2}" srcId="{D3B6445E-FC22-436F-831A-555D63581B53}" destId="{BC651300-B341-4615-81DC-70C3C484B038}" srcOrd="5" destOrd="0" parTransId="{829BA0CD-41A5-4683-A405-9048B1B0B23C}" sibTransId="{01DF9FE9-5EC6-4180-B71B-60047477583A}"/>
     <dgm:cxn modelId="{9BA0DB91-3D4A-4B09-A6D4-8E28A0DA9DAF}" type="presOf" srcId="{BC651300-B341-4615-81DC-70C3C484B038}" destId="{E432BB51-BC7A-4BF0-9533-906C13328708}" srcOrd="0" destOrd="0" presId="urn:microsoft.com/office/officeart/2008/layout/LinedList"/>
     <dgm:cxn modelId="{A836A1CF-346E-4372-86D6-544756A7C774}" type="presOf" srcId="{06D3CD9E-E266-4239-94EE-ECB624FD43ED}" destId="{77142C90-1EA5-4A07-AE6D-930C5E20DE31}" srcOrd="0" destOrd="0" presId="urn:microsoft.com/office/officeart/2008/layout/LinedList"/>
@@ -3596,7 +3596,7 @@
           </a:lstStyle>
           <a:p>
             <a:fld id="{20691AD3-F31D-4E63-9F1B-A31DC672F36A}" type="datetimeFigureOut">
-              <a:t>2/26/2025</a:t>
+              <a:t>2/26/25</a:t>
             </a:fld>
             <a:endParaRPr lang="en-US"/>
           </a:p>
@@ -5087,7 +5087,7 @@
           <a:p>
             <a:fld id="{4E2F572B-5366-8C4E-A401-15D003E79493}" type="datetimeFigureOut">
               <a:rPr lang="en-US" smtClean="0"/>
-              <a:t>2/26/2025</a:t>
+              <a:t>2/26/25</a:t>
             </a:fld>
             <a:endParaRPr lang="en-US"/>
           </a:p>
@@ -5285,7 +5285,7 @@
           <a:p>
             <a:fld id="{4E2F572B-5366-8C4E-A401-15D003E79493}" type="datetimeFigureOut">
               <a:rPr lang="en-US" smtClean="0"/>
-              <a:t>2/26/2025</a:t>
+              <a:t>2/26/25</a:t>
             </a:fld>
             <a:endParaRPr lang="en-US"/>
           </a:p>
@@ -5493,7 +5493,7 @@
           <a:p>
             <a:fld id="{4E2F572B-5366-8C4E-A401-15D003E79493}" type="datetimeFigureOut">
               <a:rPr lang="en-US" smtClean="0"/>
-              <a:t>2/26/2025</a:t>
+              <a:t>2/26/25</a:t>
             </a:fld>
             <a:endParaRPr lang="en-US"/>
           </a:p>
@@ -5691,7 +5691,7 @@
           <a:p>
             <a:fld id="{4E2F572B-5366-8C4E-A401-15D003E79493}" type="datetimeFigureOut">
               <a:rPr lang="en-US" smtClean="0"/>
-              <a:t>2/26/2025</a:t>
+              <a:t>2/26/25</a:t>
             </a:fld>
             <a:endParaRPr lang="en-US"/>
           </a:p>
@@ -5966,7 +5966,7 @@
           <a:p>
             <a:fld id="{4E2F572B-5366-8C4E-A401-15D003E79493}" type="datetimeFigureOut">
               <a:rPr lang="en-US" smtClean="0"/>
-              <a:t>2/26/2025</a:t>
+              <a:t>2/26/25</a:t>
             </a:fld>
             <a:endParaRPr lang="en-US"/>
           </a:p>
@@ -6231,7 +6231,7 @@
           <a:p>
             <a:fld id="{4E2F572B-5366-8C4E-A401-15D003E79493}" type="datetimeFigureOut">
               <a:rPr lang="en-US" smtClean="0"/>
-              <a:t>2/26/2025</a:t>
+              <a:t>2/26/25</a:t>
             </a:fld>
             <a:endParaRPr lang="en-US"/>
           </a:p>
@@ -6643,7 +6643,7 @@
           <a:p>
             <a:fld id="{4E2F572B-5366-8C4E-A401-15D003E79493}" type="datetimeFigureOut">
               <a:rPr lang="en-US" smtClean="0"/>
-              <a:t>2/26/2025</a:t>
+              <a:t>2/26/25</a:t>
             </a:fld>
             <a:endParaRPr lang="en-US"/>
           </a:p>
@@ -6784,7 +6784,7 @@
           <a:p>
             <a:fld id="{4E2F572B-5366-8C4E-A401-15D003E79493}" type="datetimeFigureOut">
               <a:rPr lang="en-US" smtClean="0"/>
-              <a:t>2/26/2025</a:t>
+              <a:t>2/26/25</a:t>
             </a:fld>
             <a:endParaRPr lang="en-US"/>
           </a:p>
@@ -6897,7 +6897,7 @@
           <a:p>
             <a:fld id="{4E2F572B-5366-8C4E-A401-15D003E79493}" type="datetimeFigureOut">
               <a:rPr lang="en-US" smtClean="0"/>
-              <a:t>2/26/2025</a:t>
+              <a:t>2/26/25</a:t>
             </a:fld>
             <a:endParaRPr lang="en-US"/>
           </a:p>
@@ -7208,7 +7208,7 @@
           <a:p>
             <a:fld id="{4E2F572B-5366-8C4E-A401-15D003E79493}" type="datetimeFigureOut">
               <a:rPr lang="en-US" smtClean="0"/>
-              <a:t>2/26/2025</a:t>
+              <a:t>2/26/25</a:t>
             </a:fld>
             <a:endParaRPr lang="en-US"/>
           </a:p>
@@ -7496,7 +7496,7 @@
           <a:p>
             <a:fld id="{4E2F572B-5366-8C4E-A401-15D003E79493}" type="datetimeFigureOut">
               <a:rPr lang="en-US" smtClean="0"/>
-              <a:t>2/26/2025</a:t>
+              <a:t>2/26/25</a:t>
             </a:fld>
             <a:endParaRPr lang="en-US"/>
           </a:p>
@@ -7737,7 +7737,7 @@
           <a:p>
             <a:fld id="{4E2F572B-5366-8C4E-A401-15D003E79493}" type="datetimeFigureOut">
               <a:rPr lang="en-US" smtClean="0"/>
-              <a:t>2/26/2025</a:t>
+              <a:t>2/26/25</a:t>
             </a:fld>
             <a:endParaRPr lang="en-US"/>
           </a:p>
@@ -10105,7 +10105,7 @@
               <a:buChar char="•"/>
             </a:pPr>
             <a:r>
-              <a:rPr lang="en-US" sz="2400">
+              <a:rPr lang="en-US" sz="2400" dirty="0">
                 <a:ea typeface="Calibri"/>
                 <a:cs typeface="Calibri"/>
               </a:rPr>
@@ -10121,7 +10121,7 @@
               <a:buChar char="•"/>
             </a:pPr>
             <a:r>
-              <a:rPr lang="en-US" sz="2400">
+              <a:rPr lang="en-US" sz="2400" dirty="0">
                 <a:ea typeface="Calibri"/>
                 <a:cs typeface="Calibri"/>
               </a:rPr>
@@ -10137,7 +10137,7 @@
               <a:buChar char="•"/>
             </a:pPr>
             <a:r>
-              <a:rPr lang="en-US" sz="2400">
+              <a:rPr lang="en-US" sz="2400" dirty="0">
                 <a:ea typeface="Calibri"/>
                 <a:cs typeface="Calibri"/>
               </a:rPr>
@@ -10153,23 +10153,19 @@
               <a:buChar char="•"/>
             </a:pPr>
             <a:r>
-              <a:rPr lang="en-US" sz="2400">
+              <a:rPr lang="en-US" sz="2400" dirty="0">
                 <a:ea typeface="Calibri"/>
                 <a:cs typeface="Calibri"/>
               </a:rPr>
               <a:t>Too many columns to analyze and </a:t>
             </a:r>
             <a:r>
-              <a:rPr lang="en-US" sz="2400">
+              <a:rPr lang="en-US" sz="2400" dirty="0">
                 <a:ea typeface="+mn-lt"/>
                 <a:cs typeface="+mn-lt"/>
               </a:rPr>
               <a:t>understand its importance.</a:t>
             </a:r>
-            <a:endParaRPr lang="en-US" sz="2400">
-              <a:ea typeface="Calibri"/>
-              <a:cs typeface="Calibri"/>
-            </a:endParaRPr>
           </a:p>
           <a:p>
             <a:pPr marL="285750" indent="-285750">
@@ -10179,6 +10175,27 @@
               <a:buFont typeface="Arial,Sans-Serif"/>
               <a:buChar char="•"/>
             </a:pPr>
+            <a:r>
+              <a:rPr lang="en-US" sz="2400" dirty="0">
+                <a:ea typeface="+mn-lt"/>
+                <a:cs typeface="+mn-lt"/>
+              </a:rPr>
+              <a:t>Highly correlated columns (e.g. </a:t>
+            </a:r>
+            <a:r>
+              <a:rPr lang="en-US" sz="2400" dirty="0" err="1">
+                <a:ea typeface="+mn-lt"/>
+                <a:cs typeface="+mn-lt"/>
+              </a:rPr>
+              <a:t>Vxxx</a:t>
+            </a:r>
+            <a:r>
+              <a:rPr lang="en-US" sz="2400">
+                <a:ea typeface="+mn-lt"/>
+                <a:cs typeface="+mn-lt"/>
+              </a:rPr>
+              <a:t>)</a:t>
+            </a:r>
             <a:endParaRPr lang="en-US" sz="2400">
               <a:ea typeface="Calibri"/>
               <a:cs typeface="Calibri"/>
@@ -10192,34 +10209,75 @@
               <a:buFont typeface="Arial,Sans-Serif"/>
               <a:buChar char="•"/>
             </a:pPr>
-            <a:r>
-              <a:rPr lang="en-US" sz="2400" b="1">
+            <a:endParaRPr lang="en-US" sz="2400" dirty="0">
+              <a:ea typeface="Calibri"/>
+              <a:cs typeface="Calibri"/>
+            </a:endParaRPr>
+          </a:p>
+          <a:p>
+            <a:pPr marL="285750" indent="-285750">
+              <a:spcBef>
+                <a:spcPts val="0"/>
+              </a:spcBef>
+              <a:buFont typeface="Arial,Sans-Serif"/>
+              <a:buChar char="•"/>
+            </a:pPr>
+            <a:r>
+              <a:rPr lang="en-US" sz="2400" b="1" dirty="0">
                 <a:ea typeface="+mn-lt"/>
                 <a:cs typeface="+mn-lt"/>
               </a:rPr>
               <a:t>Assumptions:</a:t>
             </a:r>
             <a:r>
-              <a:rPr lang="en-US" sz="2400">
+              <a:rPr lang="en-US" sz="2400" dirty="0">
                 <a:ea typeface="+mn-lt"/>
                 <a:cs typeface="+mn-lt"/>
               </a:rPr>
-              <a:t> When working with the TransactionDT, assumed reference date (e.g.,</a:t>
-            </a:r>
-            <a:r>
-              <a:rPr lang="en-US" sz="2400">
+              <a:t> When working with the </a:t>
+            </a:r>
+            <a:r>
+              <a:rPr lang="en-US" sz="2400" dirty="0" err="1">
+                <a:ea typeface="+mn-lt"/>
+                <a:cs typeface="+mn-lt"/>
+              </a:rPr>
+              <a:t>TransactionDT</a:t>
+            </a:r>
+            <a:r>
+              <a:rPr lang="en-US" sz="2400" dirty="0">
+                <a:ea typeface="+mn-lt"/>
+                <a:cs typeface="+mn-lt"/>
+              </a:rPr>
+              <a:t>, assumed reference date (e.g.,</a:t>
+            </a:r>
+            <a:r>
+              <a:rPr lang="en-US" sz="2400" dirty="0">
                 <a:ea typeface="Calibri"/>
                 <a:cs typeface="Calibri"/>
               </a:rPr>
-              <a:t> "2017-12-01") as in the kaggle discussion many assumed and used this as a start date.</a:t>
-            </a:r>
-            <a:endParaRPr lang="en-US" sz="2400"/>
+              <a:t> "2017-12-01") as in the </a:t>
+            </a:r>
+            <a:r>
+              <a:rPr lang="en-US" sz="2400" dirty="0" err="1">
+                <a:ea typeface="Calibri"/>
+                <a:cs typeface="Calibri"/>
+              </a:rPr>
+              <a:t>kaggle</a:t>
+            </a:r>
+            <a:r>
+              <a:rPr lang="en-US" sz="2400" dirty="0">
+                <a:ea typeface="Calibri"/>
+                <a:cs typeface="Calibri"/>
+              </a:rPr>
+              <a:t> discussion many assumed and used this as a start date.</a:t>
+            </a:r>
+            <a:endParaRPr lang="en-US" sz="2400" dirty="0"/>
           </a:p>
           <a:p>
             <a:pPr>
               <a:buAutoNum type="arabicPeriod"/>
             </a:pPr>
-            <a:endParaRPr lang="en-US" sz="2400">
+            <a:endParaRPr lang="en-US" sz="2400" dirty="0">
               <a:ea typeface="Calibri"/>
               <a:cs typeface="Calibri"/>
             </a:endParaRPr>
@@ -17627,6 +17685,21 @@
 </file>
 
 <file path=customXml/item1.xml><?xml version="1.0" encoding="utf-8"?>
+<p:properties xmlns:p="http://schemas.microsoft.com/office/2006/metadata/properties" xmlns:xsi="http://www.w3.org/2001/XMLSchema-instance" xmlns:pc="http://schemas.microsoft.com/office/infopath/2007/PartnerControls">
+  <documentManagement/>
+</p:properties>
+</file>
+
+<file path=customXml/item2.xml><?xml version="1.0" encoding="utf-8"?>
+<?mso-contentType ?>
+<FormTemplates xmlns="http://schemas.microsoft.com/sharepoint/v3/contenttype/forms">
+  <Display>DocumentLibraryForm</Display>
+  <Edit>DocumentLibraryForm</Edit>
+  <New>DocumentLibraryForm</New>
+</FormTemplates>
+</file>
+
+<file path=customXml/item3.xml><?xml version="1.0" encoding="utf-8"?>
 <ct:contentTypeSchema xmlns:ct="http://schemas.microsoft.com/office/2006/metadata/contentType" xmlns:ma="http://schemas.microsoft.com/office/2006/metadata/properties/metaAttributes" ct:_="" ma:_="" ma:contentTypeName="Document" ma:contentTypeID="0x01010068188123BD4BFF4BB6E1493C4CA41BCC" ma:contentTypeVersion="4" ma:contentTypeDescription="Create a new document." ma:contentTypeScope="" ma:versionID="2bee69a13783c616d5c444d04f28013f">
   <xsd:schema xmlns:xsd="http://www.w3.org/2001/XMLSchema" xmlns:xs="http://www.w3.org/2001/XMLSchema" xmlns:p="http://schemas.microsoft.com/office/2006/metadata/properties" xmlns:ns2="c777777e-1ffb-4618-8ccf-3c243d531f26" targetNamespace="http://schemas.microsoft.com/office/2006/metadata/properties" ma:root="true" ma:fieldsID="db8a8097127ad6d20d9bd80c547d5d38" ns2:_="">
     <xsd:import namespace="c777777e-1ffb-4618-8ccf-3c243d531f26"/>
@@ -17770,22 +17843,24 @@
 </ct:contentTypeSchema>
 </file>
 
-<file path=customXml/item2.xml><?xml version="1.0" encoding="utf-8"?>
-<?mso-contentType ?>
-<FormTemplates xmlns="http://schemas.microsoft.com/sharepoint/v3/contenttype/forms">
-  <Display>DocumentLibraryForm</Display>
-  <Edit>DocumentLibraryForm</Edit>
-  <New>DocumentLibraryForm</New>
-</FormTemplates>
+<file path=customXml/itemProps1.xml><?xml version="1.0" encoding="utf-8"?>
+<ds:datastoreItem xmlns:ds="http://schemas.openxmlformats.org/officeDocument/2006/customXml" ds:itemID="{9A8CB406-5398-40DD-A1C7-E5A55482E850}">
+  <ds:schemaRefs>
+    <ds:schemaRef ds:uri="http://schemas.microsoft.com/office/2006/metadata/properties"/>
+    <ds:schemaRef ds:uri="http://schemas.microsoft.com/office/infopath/2007/PartnerControls"/>
+  </ds:schemaRefs>
+</ds:datastoreItem>
 </file>
 
-<file path=customXml/item3.xml><?xml version="1.0" encoding="utf-8"?>
-<p:properties xmlns:p="http://schemas.microsoft.com/office/2006/metadata/properties" xmlns:xsi="http://www.w3.org/2001/XMLSchema-instance" xmlns:pc="http://schemas.microsoft.com/office/infopath/2007/PartnerControls">
-  <documentManagement/>
-</p:properties>
+<file path=customXml/itemProps2.xml><?xml version="1.0" encoding="utf-8"?>
+<ds:datastoreItem xmlns:ds="http://schemas.openxmlformats.org/officeDocument/2006/customXml" ds:itemID="{DBB60FBE-1C63-4931-9EC1-79A80164AA4D}">
+  <ds:schemaRefs>
+    <ds:schemaRef ds:uri="http://schemas.microsoft.com/sharepoint/v3/contenttype/forms"/>
+  </ds:schemaRefs>
+</ds:datastoreItem>
 </file>
 
-<file path=customXml/itemProps1.xml><?xml version="1.0" encoding="utf-8"?>
+<file path=customXml/itemProps3.xml><?xml version="1.0" encoding="utf-8"?>
 <ds:datastoreItem xmlns:ds="http://schemas.openxmlformats.org/officeDocument/2006/customXml" ds:itemID="{1E29C31B-0351-4917-93D3-45EC5D248653}">
   <ds:schemaRefs>
     <ds:schemaRef ds:uri="c777777e-1ffb-4618-8ccf-3c243d531f26"/>
@@ -17801,21 +17876,4 @@
     <ds:schemaRef ds:uri="http://www.w3.org/2001/XMLSchema"/>
   </ds:schemaRefs>
 </ds:datastoreItem>
-</file>
-
-<file path=customXml/itemProps2.xml><?xml version="1.0" encoding="utf-8"?>
-<ds:datastoreItem xmlns:ds="http://schemas.openxmlformats.org/officeDocument/2006/customXml" ds:itemID="{DBB60FBE-1C63-4931-9EC1-79A80164AA4D}">
-  <ds:schemaRefs>
-    <ds:schemaRef ds:uri="http://schemas.microsoft.com/sharepoint/v3/contenttype/forms"/>
-  </ds:schemaRefs>
-</ds:datastoreItem>
-</file>
-
-<file path=customXml/itemProps3.xml><?xml version="1.0" encoding="utf-8"?>
-<ds:datastoreItem xmlns:ds="http://schemas.openxmlformats.org/officeDocument/2006/customXml" ds:itemID="{9A8CB406-5398-40DD-A1C7-E5A55482E850}">
-  <ds:schemaRefs>
-    <ds:schemaRef ds:uri="http://schemas.microsoft.com/office/2006/metadata/properties"/>
-    <ds:schemaRef ds:uri="http://schemas.microsoft.com/office/infopath/2007/PartnerControls"/>
-  </ds:schemaRefs>
-</ds:datastoreItem>
 </file>
--- a/EDA_TeamC.pptx
+++ b/EDA_TeamC.pptx
@@ -16736,7 +16736,7 @@
         </p:nvSpPr>
         <p:spPr>
           <a:xfrm>
-            <a:off x="7910285" y="741391"/>
+            <a:off x="6096000" y="711191"/>
             <a:ext cx="3146464" cy="1190000"/>
           </a:xfrm>
         </p:spPr>
@@ -16747,13 +16747,13 @@
           <a:lstStyle/>
           <a:p>
             <a:r>
-              <a:rPr lang="en-US" sz="3200">
+              <a:rPr lang="en-US" sz="3200" dirty="0">
                 <a:ea typeface="Calibri Light"/>
                 <a:cs typeface="Calibri Light"/>
               </a:rPr>
               <a:t>Exploratory Data Analysis</a:t>
             </a:r>
-            <a:endParaRPr lang="en-US" sz="3200"/>
+            <a:endParaRPr lang="en-US" sz="3200" dirty="0"/>
           </a:p>
         </p:txBody>
       </p:sp>
@@ -17685,18 +17685,18 @@
 </file>
 
 <file path=customXml/item1.xml><?xml version="1.0" encoding="utf-8"?>
-<p:properties xmlns:p="http://schemas.microsoft.com/office/2006/metadata/properties" xmlns:xsi="http://www.w3.org/2001/XMLSchema-instance" xmlns:pc="http://schemas.microsoft.com/office/infopath/2007/PartnerControls">
-  <documentManagement/>
-</p:properties>
-</file>
-
-<file path=customXml/item2.xml><?xml version="1.0" encoding="utf-8"?>
 <?mso-contentType ?>
 <FormTemplates xmlns="http://schemas.microsoft.com/sharepoint/v3/contenttype/forms">
   <Display>DocumentLibraryForm</Display>
   <Edit>DocumentLibraryForm</Edit>
   <New>DocumentLibraryForm</New>
 </FormTemplates>
+</file>
+
+<file path=customXml/item2.xml><?xml version="1.0" encoding="utf-8"?>
+<p:properties xmlns:p="http://schemas.microsoft.com/office/2006/metadata/properties" xmlns:xsi="http://www.w3.org/2001/XMLSchema-instance" xmlns:pc="http://schemas.microsoft.com/office/infopath/2007/PartnerControls">
+  <documentManagement/>
+</p:properties>
 </file>
 
 <file path=customXml/item3.xml><?xml version="1.0" encoding="utf-8"?>
@@ -17844,18 +17844,18 @@
 </file>
 
 <file path=customXml/itemProps1.xml><?xml version="1.0" encoding="utf-8"?>
-<ds:datastoreItem xmlns:ds="http://schemas.openxmlformats.org/officeDocument/2006/customXml" ds:itemID="{9A8CB406-5398-40DD-A1C7-E5A55482E850}">
+<ds:datastoreItem xmlns:ds="http://schemas.openxmlformats.org/officeDocument/2006/customXml" ds:itemID="{DBB60FBE-1C63-4931-9EC1-79A80164AA4D}">
   <ds:schemaRefs>
-    <ds:schemaRef ds:uri="http://schemas.microsoft.com/office/2006/metadata/properties"/>
-    <ds:schemaRef ds:uri="http://schemas.microsoft.com/office/infopath/2007/PartnerControls"/>
+    <ds:schemaRef ds:uri="http://schemas.microsoft.com/sharepoint/v3/contenttype/forms"/>
   </ds:schemaRefs>
 </ds:datastoreItem>
 </file>
 
 <file path=customXml/itemProps2.xml><?xml version="1.0" encoding="utf-8"?>
-<ds:datastoreItem xmlns:ds="http://schemas.openxmlformats.org/officeDocument/2006/customXml" ds:itemID="{DBB60FBE-1C63-4931-9EC1-79A80164AA4D}">
+<ds:datastoreItem xmlns:ds="http://schemas.openxmlformats.org/officeDocument/2006/customXml" ds:itemID="{9A8CB406-5398-40DD-A1C7-E5A55482E850}">
   <ds:schemaRefs>
-    <ds:schemaRef ds:uri="http://schemas.microsoft.com/sharepoint/v3/contenttype/forms"/>
+    <ds:schemaRef ds:uri="http://schemas.microsoft.com/office/2006/metadata/properties"/>
+    <ds:schemaRef ds:uri="http://schemas.microsoft.com/office/infopath/2007/PartnerControls"/>
   </ds:schemaRefs>
 </ds:datastoreItem>
 </file>
